--- a/ANKUR(SQL).pptx
+++ b/ANKUR(SQL).pptx
@@ -326,7 +326,7 @@
           <a:p>
             <a:fld id="{95385108-5549-4B5B-9AA5-C9CA60868E42}" type="datetimeFigureOut">
               <a:rPr lang="en-US" smtClean="0"/>
-              <a:t>1/28/2021</a:t>
+              <a:t>2/7/2021</a:t>
             </a:fld>
             <a:endParaRPr lang="en-US"/>
           </a:p>
@@ -1315,7 +1315,7 @@
           <a:p>
             <a:fld id="{C628E894-337E-4FBE-B44B-49DA35355E3D}" type="datetimeFigureOut">
               <a:rPr lang="en-US" smtClean="0"/>
-              <a:t>1/28/2021</a:t>
+              <a:t>2/7/2021</a:t>
             </a:fld>
             <a:endParaRPr lang="en-US"/>
           </a:p>
@@ -1607,7 +1607,7 @@
           <a:p>
             <a:fld id="{C628E894-337E-4FBE-B44B-49DA35355E3D}" type="datetimeFigureOut">
               <a:rPr lang="en-US" smtClean="0"/>
-              <a:t>1/28/2021</a:t>
+              <a:t>2/7/2021</a:t>
             </a:fld>
             <a:endParaRPr lang="en-US"/>
           </a:p>
@@ -1799,7 +1799,7 @@
           <a:p>
             <a:fld id="{C628E894-337E-4FBE-B44B-49DA35355E3D}" type="datetimeFigureOut">
               <a:rPr lang="en-US" smtClean="0"/>
-              <a:t>1/28/2021</a:t>
+              <a:t>2/7/2021</a:t>
             </a:fld>
             <a:endParaRPr lang="en-US"/>
           </a:p>
@@ -2060,7 +2060,7 @@
           <a:p>
             <a:fld id="{C628E894-337E-4FBE-B44B-49DA35355E3D}" type="datetimeFigureOut">
               <a:rPr lang="en-US" smtClean="0"/>
-              <a:t>1/28/2021</a:t>
+              <a:t>2/7/2021</a:t>
             </a:fld>
             <a:endParaRPr lang="en-US"/>
           </a:p>
@@ -2484,7 +2484,7 @@
           <a:p>
             <a:fld id="{C628E894-337E-4FBE-B44B-49DA35355E3D}" type="datetimeFigureOut">
               <a:rPr lang="en-US" smtClean="0"/>
-              <a:t>1/28/2021</a:t>
+              <a:t>2/7/2021</a:t>
             </a:fld>
             <a:endParaRPr lang="en-US"/>
           </a:p>
@@ -3030,7 +3030,7 @@
           <a:p>
             <a:fld id="{C628E894-337E-4FBE-B44B-49DA35355E3D}" type="datetimeFigureOut">
               <a:rPr lang="en-US" smtClean="0"/>
-              <a:t>1/28/2021</a:t>
+              <a:t>2/7/2021</a:t>
             </a:fld>
             <a:endParaRPr lang="en-US"/>
           </a:p>
@@ -3870,7 +3870,7 @@
           <a:p>
             <a:fld id="{C628E894-337E-4FBE-B44B-49DA35355E3D}" type="datetimeFigureOut">
               <a:rPr lang="en-US" smtClean="0"/>
-              <a:t>1/28/2021</a:t>
+              <a:t>2/7/2021</a:t>
             </a:fld>
             <a:endParaRPr lang="en-US"/>
           </a:p>
@@ -4040,7 +4040,7 @@
           <a:p>
             <a:fld id="{C628E894-337E-4FBE-B44B-49DA35355E3D}" type="datetimeFigureOut">
               <a:rPr lang="en-US" smtClean="0"/>
-              <a:t>1/28/2021</a:t>
+              <a:t>2/7/2021</a:t>
             </a:fld>
             <a:endParaRPr lang="en-US"/>
           </a:p>
@@ -4224,7 +4224,7 @@
           <a:p>
             <a:fld id="{C628E894-337E-4FBE-B44B-49DA35355E3D}" type="datetimeFigureOut">
               <a:rPr lang="en-US" smtClean="0"/>
-              <a:t>1/28/2021</a:t>
+              <a:t>2/7/2021</a:t>
             </a:fld>
             <a:endParaRPr lang="en-US"/>
           </a:p>
@@ -4394,7 +4394,7 @@
           <a:p>
             <a:fld id="{C628E894-337E-4FBE-B44B-49DA35355E3D}" type="datetimeFigureOut">
               <a:rPr lang="en-US" smtClean="0"/>
-              <a:t>1/28/2021</a:t>
+              <a:t>2/7/2021</a:t>
             </a:fld>
             <a:endParaRPr lang="en-US"/>
           </a:p>
@@ -4642,7 +4642,7 @@
           <a:p>
             <a:fld id="{C628E894-337E-4FBE-B44B-49DA35355E3D}" type="datetimeFigureOut">
               <a:rPr lang="en-US" smtClean="0"/>
-              <a:t>1/28/2021</a:t>
+              <a:t>2/7/2021</a:t>
             </a:fld>
             <a:endParaRPr lang="en-US"/>
           </a:p>
@@ -4879,7 +4879,7 @@
           <a:p>
             <a:fld id="{C628E894-337E-4FBE-B44B-49DA35355E3D}" type="datetimeFigureOut">
               <a:rPr lang="en-US" smtClean="0"/>
-              <a:t>1/28/2021</a:t>
+              <a:t>2/7/2021</a:t>
             </a:fld>
             <a:endParaRPr lang="en-US"/>
           </a:p>
@@ -5252,7 +5252,7 @@
           <a:p>
             <a:fld id="{C628E894-337E-4FBE-B44B-49DA35355E3D}" type="datetimeFigureOut">
               <a:rPr lang="en-US" smtClean="0"/>
-              <a:t>1/28/2021</a:t>
+              <a:t>2/7/2021</a:t>
             </a:fld>
             <a:endParaRPr lang="en-US"/>
           </a:p>
@@ -5370,7 +5370,7 @@
           <a:p>
             <a:fld id="{C628E894-337E-4FBE-B44B-49DA35355E3D}" type="datetimeFigureOut">
               <a:rPr lang="en-US" smtClean="0"/>
-              <a:t>1/28/2021</a:t>
+              <a:t>2/7/2021</a:t>
             </a:fld>
             <a:endParaRPr lang="en-US"/>
           </a:p>
@@ -5465,7 +5465,7 @@
           <a:p>
             <a:fld id="{C628E894-337E-4FBE-B44B-49DA35355E3D}" type="datetimeFigureOut">
               <a:rPr lang="en-US" smtClean="0"/>
-              <a:t>1/28/2021</a:t>
+              <a:t>2/7/2021</a:t>
             </a:fld>
             <a:endParaRPr lang="en-US"/>
           </a:p>
@@ -5721,7 +5721,7 @@
           <a:p>
             <a:fld id="{C628E894-337E-4FBE-B44B-49DA35355E3D}" type="datetimeFigureOut">
               <a:rPr lang="en-US" smtClean="0"/>
-              <a:t>1/28/2021</a:t>
+              <a:t>2/7/2021</a:t>
             </a:fld>
             <a:endParaRPr lang="en-US"/>
           </a:p>
@@ -6013,7 +6013,7 @@
           <a:p>
             <a:fld id="{C628E894-337E-4FBE-B44B-49DA35355E3D}" type="datetimeFigureOut">
               <a:rPr lang="en-US" smtClean="0"/>
-              <a:t>1/28/2021</a:t>
+              <a:t>2/7/2021</a:t>
             </a:fld>
             <a:endParaRPr lang="en-US"/>
           </a:p>
@@ -6226,7 +6226,7 @@
           <a:p>
             <a:fld id="{C628E894-337E-4FBE-B44B-49DA35355E3D}" type="datetimeFigureOut">
               <a:rPr lang="en-US" smtClean="0"/>
-              <a:t>1/28/2021</a:t>
+              <a:t>2/7/2021</a:t>
             </a:fld>
             <a:endParaRPr lang="en-US"/>
           </a:p>
@@ -38158,7 +38158,15 @@
           <a:p>
             <a:r>
               <a:rPr lang="en-US" sz="2400" b="1" dirty="0" smtClean="0"/>
-              <a:t>WHEN WE’LL EXECUTE THE QUERY AND EMPTY TABLE WILL GET CREATED OR STRUCTURE OF THE TABLE IS GETTING CREATED.</a:t>
+              <a:t>WHEN WE’LL EXECUTE THE </a:t>
+            </a:r>
+            <a:r>
+              <a:rPr lang="en-US" sz="2400" b="1" smtClean="0"/>
+              <a:t>QUERY AN </a:t>
+            </a:r>
+            <a:r>
+              <a:rPr lang="en-US" sz="2400" b="1" dirty="0" smtClean="0"/>
+              <a:t>EMPTY TABLE WILL GET CREATED OR STRUCTURE OF THE TABLE IS GETTING CREATED.</a:t>
             </a:r>
             <a:endParaRPr lang="en-US" sz="2400" b="1" dirty="0"/>
           </a:p>
@@ -38456,17 +38464,17 @@
           <a:p>
             <a:r>
               <a:rPr lang="en-US" sz="2400" b="1" dirty="0" smtClean="0"/>
-              <a:t>E.G ; - INSERT INTO  STUDENT ( UNS, NAME, SEM, BRANCH )</a:t>
-            </a:r>
-          </a:p>
-          <a:p>
-            <a:r>
-              <a:rPr lang="en-US" sz="2400" b="1" dirty="0"/>
-              <a:t> </a:t>
+              <a:t>E.G ; </a:t>
             </a:r>
             <a:r>
               <a:rPr lang="en-US" sz="2400" b="1" dirty="0" smtClean="0"/>
-              <a:t>           VALUES  (1234567890,’ANKUR’,08,’CSE’)</a:t>
+              <a:t>- INSERT INTO  STUDENT ( UNS, NAME, SEM, BRANCH )</a:t>
+            </a:r>
+          </a:p>
+          <a:p>
+            <a:r>
+              <a:rPr lang="en-US" sz="2400" b="1" dirty="0" smtClean="0"/>
+              <a:t>            VALUES  (1234567890,’ANKUR’,08,’CSE’)</a:t>
             </a:r>
             <a:endParaRPr lang="en-US" sz="2400" b="1" dirty="0"/>
           </a:p>
@@ -39666,7 +39674,19 @@
           <a:p>
             <a:r>
               <a:rPr lang="en-US" b="1" dirty="0" smtClean="0"/>
-              <a:t>RENAME STUDENT TO STUD;</a:t>
+              <a:t>RENAME </a:t>
+            </a:r>
+            <a:r>
+              <a:rPr lang="en-US" b="1" smtClean="0"/>
+              <a:t>STUDENT </a:t>
+            </a:r>
+            <a:r>
+              <a:rPr lang="en-US" b="1" smtClean="0"/>
+              <a:t> TO </a:t>
+            </a:r>
+            <a:r>
+              <a:rPr lang="en-US" b="1" dirty="0" smtClean="0"/>
+              <a:t>STUD;</a:t>
             </a:r>
           </a:p>
           <a:p>
@@ -42859,11 +42879,7 @@
             </a:r>
             <a:r>
               <a:rPr lang="en-US" sz="2400" b="1" smtClean="0"/>
-              <a:t>SYSTEM </a:t>
-            </a:r>
-            <a:r>
-              <a:rPr lang="en-US" sz="2400" b="1" smtClean="0"/>
-              <a:t>ACCOUNT)</a:t>
+              <a:t>SYSTEM ACCOUNT)</a:t>
             </a:r>
             <a:endParaRPr lang="en-US" sz="2400" b="1" dirty="0"/>
           </a:p>
@@ -42888,13 +42904,8 @@
           <a:p>
             <a:r>
               <a:rPr lang="en-US" sz="2400" b="1" dirty="0" smtClean="0"/>
-              <a:t>DROP USER </a:t>
-            </a:r>
-            <a:r>
-              <a:rPr lang="en-US" sz="2400" b="1" dirty="0" smtClean="0"/>
-              <a:t>USER_NAME;</a:t>
-            </a:r>
-            <a:endParaRPr lang="en-US" sz="2400" b="1" dirty="0" smtClean="0"/>
+              <a:t>DROP USER USER_NAME;</a:t>
+            </a:r>
           </a:p>
           <a:p>
             <a:endParaRPr lang="en-US" sz="2400" b="1" dirty="0"/>
